--- a/Team Presentation/GraphAnalytics.pptx
+++ b/Team Presentation/GraphAnalytics.pptx
@@ -5,7 +5,7 @@
     <p:sldMasterId id="2147483750" r:id="rId1"/>
   </p:sldMasterIdLst>
   <p:notesMasterIdLst>
-    <p:notesMasterId r:id="rId12"/>
+    <p:notesMasterId r:id="rId16"/>
   </p:notesMasterIdLst>
   <p:sldIdLst>
     <p:sldId id="256" r:id="rId2"/>
@@ -13,11 +13,15 @@
     <p:sldId id="257" r:id="rId4"/>
     <p:sldId id="266" r:id="rId5"/>
     <p:sldId id="267" r:id="rId6"/>
-    <p:sldId id="258" r:id="rId7"/>
-    <p:sldId id="269" r:id="rId8"/>
-    <p:sldId id="259" r:id="rId9"/>
-    <p:sldId id="260" r:id="rId10"/>
-    <p:sldId id="261" r:id="rId11"/>
+    <p:sldId id="273" r:id="rId7"/>
+    <p:sldId id="270" r:id="rId8"/>
+    <p:sldId id="258" r:id="rId9"/>
+    <p:sldId id="269" r:id="rId10"/>
+    <p:sldId id="271" r:id="rId11"/>
+    <p:sldId id="272" r:id="rId12"/>
+    <p:sldId id="259" r:id="rId13"/>
+    <p:sldId id="260" r:id="rId14"/>
+    <p:sldId id="261" r:id="rId15"/>
   </p:sldIdLst>
   <p:sldSz cx="12192000" cy="6858000"/>
   <p:notesSz cx="6858000" cy="9144000"/>
@@ -206,7 +210,7 @@
           <a:p>
             <a:fld id="{2CCFEEB0-9FE6-8E41-867B-2008353727AD}" type="datetimeFigureOut">
               <a:rPr lang="en-US" smtClean="0"/>
-              <a:t>10/6/17</a:t>
+              <a:t>10/7/17</a:t>
             </a:fld>
             <a:endParaRPr lang="en-US"/>
           </a:p>
@@ -823,7 +827,7 @@
           <a:p>
             <a:fld id="{B78CB5AE-AC20-614D-BBAF-CCEF5C27ABEA}" type="slidenum">
               <a:rPr lang="en-US" smtClean="0"/>
-              <a:t>9</a:t>
+              <a:t>13</a:t>
             </a:fld>
             <a:endParaRPr lang="en-US"/>
           </a:p>
@@ -1071,7 +1075,7 @@
           <a:p>
             <a:fld id="{CA0048FB-40F3-E74E-A9B8-BE021B360998}" type="datetimeFigureOut">
               <a:rPr lang="en-US" smtClean="0"/>
-              <a:t>10/6/17</a:t>
+              <a:t>10/7/17</a:t>
             </a:fld>
             <a:endParaRPr lang="en-US"/>
           </a:p>
@@ -1400,7 +1404,7 @@
           <a:p>
             <a:fld id="{CA0048FB-40F3-E74E-A9B8-BE021B360998}" type="datetimeFigureOut">
               <a:rPr lang="en-US" smtClean="0"/>
-              <a:t>10/6/17</a:t>
+              <a:t>10/7/17</a:t>
             </a:fld>
             <a:endParaRPr lang="en-US"/>
           </a:p>
@@ -1673,7 +1677,7 @@
           <a:p>
             <a:fld id="{CA0048FB-40F3-E74E-A9B8-BE021B360998}" type="datetimeFigureOut">
               <a:rPr lang="en-US" smtClean="0"/>
-              <a:t>10/6/17</a:t>
+              <a:t>10/7/17</a:t>
             </a:fld>
             <a:endParaRPr lang="en-US"/>
           </a:p>
@@ -2236,7 +2240,7 @@
           <a:p>
             <a:fld id="{CA0048FB-40F3-E74E-A9B8-BE021B360998}" type="datetimeFigureOut">
               <a:rPr lang="en-US" smtClean="0"/>
-              <a:t>10/6/17</a:t>
+              <a:t>10/7/17</a:t>
             </a:fld>
             <a:endParaRPr lang="en-US"/>
           </a:p>
@@ -2509,7 +2513,7 @@
           <a:p>
             <a:fld id="{CA0048FB-40F3-E74E-A9B8-BE021B360998}" type="datetimeFigureOut">
               <a:rPr lang="en-US" smtClean="0"/>
-              <a:t>10/6/17</a:t>
+              <a:t>10/7/17</a:t>
             </a:fld>
             <a:endParaRPr lang="en-US"/>
           </a:p>
@@ -3066,7 +3070,7 @@
           <a:p>
             <a:fld id="{CA0048FB-40F3-E74E-A9B8-BE021B360998}" type="datetimeFigureOut">
               <a:rPr lang="en-US" smtClean="0"/>
-              <a:t>10/6/17</a:t>
+              <a:t>10/7/17</a:t>
             </a:fld>
             <a:endParaRPr lang="en-US"/>
           </a:p>
@@ -3388,7 +3392,7 @@
           <a:p>
             <a:fld id="{CA0048FB-40F3-E74E-A9B8-BE021B360998}" type="datetimeFigureOut">
               <a:rPr lang="en-US" smtClean="0"/>
-              <a:t>10/6/17</a:t>
+              <a:t>10/7/17</a:t>
             </a:fld>
             <a:endParaRPr lang="en-US"/>
           </a:p>
@@ -3560,7 +3564,7 @@
           <a:p>
             <a:fld id="{CA0048FB-40F3-E74E-A9B8-BE021B360998}" type="datetimeFigureOut">
               <a:rPr lang="en-US" smtClean="0"/>
-              <a:t>10/6/17</a:t>
+              <a:t>10/7/17</a:t>
             </a:fld>
             <a:endParaRPr lang="en-US"/>
           </a:p>
@@ -3793,7 +3797,7 @@
           <a:p>
             <a:fld id="{CA0048FB-40F3-E74E-A9B8-BE021B360998}" type="datetimeFigureOut">
               <a:rPr lang="en-US" smtClean="0"/>
-              <a:t>10/6/17</a:t>
+              <a:t>10/7/17</a:t>
             </a:fld>
             <a:endParaRPr lang="en-US"/>
           </a:p>
@@ -3988,7 +3992,7 @@
           <a:p>
             <a:fld id="{CA0048FB-40F3-E74E-A9B8-BE021B360998}" type="datetimeFigureOut">
               <a:rPr lang="en-US" smtClean="0"/>
-              <a:t>10/6/17</a:t>
+              <a:t>10/7/17</a:t>
             </a:fld>
             <a:endParaRPr lang="en-US"/>
           </a:p>
@@ -4259,7 +4263,7 @@
           <a:p>
             <a:fld id="{CA0048FB-40F3-E74E-A9B8-BE021B360998}" type="datetimeFigureOut">
               <a:rPr lang="en-US" smtClean="0"/>
-              <a:t>10/6/17</a:t>
+              <a:t>10/7/17</a:t>
             </a:fld>
             <a:endParaRPr lang="en-US"/>
           </a:p>
@@ -4520,7 +4524,7 @@
           <a:p>
             <a:fld id="{CA0048FB-40F3-E74E-A9B8-BE021B360998}" type="datetimeFigureOut">
               <a:rPr lang="en-US" smtClean="0"/>
-              <a:t>10/6/17</a:t>
+              <a:t>10/7/17</a:t>
             </a:fld>
             <a:endParaRPr lang="en-US"/>
           </a:p>
@@ -4889,7 +4893,7 @@
           <a:p>
             <a:fld id="{CA0048FB-40F3-E74E-A9B8-BE021B360998}" type="datetimeFigureOut">
               <a:rPr lang="en-US" smtClean="0"/>
-              <a:t>10/6/17</a:t>
+              <a:t>10/7/17</a:t>
             </a:fld>
             <a:endParaRPr lang="en-US"/>
           </a:p>
@@ -5032,7 +5036,7 @@
           <a:p>
             <a:fld id="{CA0048FB-40F3-E74E-A9B8-BE021B360998}" type="datetimeFigureOut">
               <a:rPr lang="en-US" smtClean="0"/>
-              <a:t>10/6/17</a:t>
+              <a:t>10/7/17</a:t>
             </a:fld>
             <a:endParaRPr lang="en-US"/>
           </a:p>
@@ -5152,7 +5156,7 @@
           <a:p>
             <a:fld id="{CA0048FB-40F3-E74E-A9B8-BE021B360998}" type="datetimeFigureOut">
               <a:rPr lang="en-US" smtClean="0"/>
-              <a:t>10/6/17</a:t>
+              <a:t>10/7/17</a:t>
             </a:fld>
             <a:endParaRPr lang="en-US"/>
           </a:p>
@@ -5432,7 +5436,7 @@
           <a:p>
             <a:fld id="{CA0048FB-40F3-E74E-A9B8-BE021B360998}" type="datetimeFigureOut">
               <a:rPr lang="en-US" smtClean="0"/>
-              <a:t>10/6/17</a:t>
+              <a:t>10/7/17</a:t>
             </a:fld>
             <a:endParaRPr lang="en-US"/>
           </a:p>
@@ -5751,7 +5755,7 @@
           <a:p>
             <a:fld id="{CA0048FB-40F3-E74E-A9B8-BE021B360998}" type="datetimeFigureOut">
               <a:rPr lang="en-US" smtClean="0"/>
-              <a:t>10/6/17</a:t>
+              <a:t>10/7/17</a:t>
             </a:fld>
             <a:endParaRPr lang="en-US"/>
           </a:p>
@@ -5965,7 +5969,7 @@
           <a:p>
             <a:fld id="{CA0048FB-40F3-E74E-A9B8-BE021B360998}" type="datetimeFigureOut">
               <a:rPr lang="en-US" smtClean="0"/>
-              <a:t>10/6/17</a:t>
+              <a:t>10/7/17</a:t>
             </a:fld>
             <a:endParaRPr lang="en-US"/>
           </a:p>
@@ -6594,7 +6598,11 @@
           <a:bodyPr/>
           <a:lstStyle/>
           <a:p>
-            <a:endParaRPr lang="en-US"/>
+            <a:r>
+              <a:rPr lang="en-US" dirty="0" smtClean="0"/>
+              <a:t>Graph Databases</a:t>
+            </a:r>
+            <a:endParaRPr lang="en-US" dirty="0"/>
           </a:p>
         </p:txBody>
       </p:sp>
@@ -6610,10 +6618,648 @@
         </p:nvSpPr>
         <p:spPr/>
         <p:txBody>
+          <a:bodyPr>
+            <a:noAutofit/>
+          </a:bodyPr>
+          <a:lstStyle/>
+          <a:p>
+            <a:r>
+              <a:rPr lang="en-US" sz="2800" dirty="0" smtClean="0"/>
+              <a:t>Information is connected</a:t>
+            </a:r>
+          </a:p>
+          <a:p>
+            <a:r>
+              <a:rPr lang="en-US" sz="2800" dirty="0" smtClean="0"/>
+              <a:t>Databases must embrace relationships as an aspect of its data model</a:t>
+            </a:r>
+          </a:p>
+          <a:p>
+            <a:pPr lvl="1"/>
+            <a:r>
+              <a:rPr lang="en-US" sz="2800" dirty="0"/>
+              <a:t>D</a:t>
+            </a:r>
+            <a:r>
+              <a:rPr lang="en-US" sz="2800" dirty="0" smtClean="0"/>
+              <a:t>iffers from relational databases where relationships must be modeled in tables </a:t>
+            </a:r>
+          </a:p>
+          <a:p>
+            <a:r>
+              <a:rPr lang="en-US" sz="2800" dirty="0" smtClean="0"/>
+              <a:t>Store connections as first-class citizens, readily available for join-like operations</a:t>
+            </a:r>
+          </a:p>
+          <a:p>
+            <a:r>
+              <a:rPr lang="en-US" sz="2800" dirty="0" smtClean="0"/>
+              <a:t>Independent of the total size of the data set – useful for big data</a:t>
+            </a:r>
+          </a:p>
+        </p:txBody>
+      </p:sp>
+    </p:spTree>
+    <p:extLst>
+      <p:ext uri="{BB962C8B-B14F-4D97-AF65-F5344CB8AC3E}">
+        <p14:creationId xmlns:p14="http://schemas.microsoft.com/office/powerpoint/2010/main" val="975069579"/>
+      </p:ext>
+    </p:extLst>
+  </p:cSld>
+  <p:clrMapOvr>
+    <a:masterClrMapping/>
+  </p:clrMapOvr>
+</p:sld>
+</file>
+
+<file path=ppt/slides/slide11.xml><?xml version="1.0" encoding="utf-8"?>
+<p:sld xmlns:a="http://schemas.openxmlformats.org/drawingml/2006/main" xmlns:r="http://schemas.openxmlformats.org/officeDocument/2006/relationships" xmlns:p="http://schemas.openxmlformats.org/presentationml/2006/main">
+  <p:cSld>
+    <p:spTree>
+      <p:nvGrpSpPr>
+        <p:cNvPr id="1" name=""/>
+        <p:cNvGrpSpPr/>
+        <p:nvPr/>
+      </p:nvGrpSpPr>
+      <p:grpSpPr>
+        <a:xfrm>
+          <a:off x="0" y="0"/>
+          <a:ext cx="0" cy="0"/>
+          <a:chOff x="0" y="0"/>
+          <a:chExt cx="0" cy="0"/>
+        </a:xfrm>
+      </p:grpSpPr>
+      <p:sp>
+        <p:nvSpPr>
+          <p:cNvPr id="2" name="Title 1"/>
+          <p:cNvSpPr>
+            <a:spLocks noGrp="1"/>
+          </p:cNvSpPr>
+          <p:nvPr>
+            <p:ph type="title"/>
+          </p:nvPr>
+        </p:nvSpPr>
+        <p:spPr/>
+        <p:txBody>
           <a:bodyPr/>
           <a:lstStyle/>
           <a:p>
-            <a:endParaRPr lang="en-US"/>
+            <a:r>
+              <a:rPr lang="en-US" dirty="0" smtClean="0"/>
+              <a:t>Graph DBMS</a:t>
+            </a:r>
+            <a:endParaRPr lang="en-US" dirty="0"/>
+          </a:p>
+        </p:txBody>
+      </p:sp>
+      <p:sp>
+        <p:nvSpPr>
+          <p:cNvPr id="3" name="Content Placeholder 2"/>
+          <p:cNvSpPr>
+            <a:spLocks noGrp="1"/>
+          </p:cNvSpPr>
+          <p:nvPr>
+            <p:ph idx="1"/>
+          </p:nvPr>
+        </p:nvSpPr>
+        <p:spPr/>
+        <p:txBody>
+          <a:bodyPr>
+            <a:normAutofit/>
+          </a:bodyPr>
+          <a:lstStyle/>
+          <a:p>
+            <a:r>
+              <a:rPr lang="en-US" sz="2800" dirty="0" smtClean="0"/>
+              <a:t>Has CRUD operations</a:t>
+            </a:r>
+          </a:p>
+          <a:p>
+            <a:r>
+              <a:rPr lang="en-US" sz="2800" dirty="0" smtClean="0"/>
+              <a:t>Used with transactional systems</a:t>
+            </a:r>
+          </a:p>
+          <a:p>
+            <a:r>
+              <a:rPr lang="en-US" sz="2800" dirty="0" smtClean="0"/>
+              <a:t>Have 2 properties:</a:t>
+            </a:r>
+          </a:p>
+          <a:p>
+            <a:pPr lvl="1"/>
+            <a:r>
+              <a:rPr lang="en-US" sz="2800" dirty="0" smtClean="0"/>
+              <a:t>Underlying storage (should be native graph storage)</a:t>
+            </a:r>
+          </a:p>
+          <a:p>
+            <a:pPr lvl="1"/>
+            <a:r>
+              <a:rPr lang="en-US" sz="2800" dirty="0" smtClean="0"/>
+              <a:t>Processing engine</a:t>
+            </a:r>
+            <a:endParaRPr lang="en-US" sz="2800" dirty="0"/>
+          </a:p>
+        </p:txBody>
+      </p:sp>
+    </p:spTree>
+    <p:extLst>
+      <p:ext uri="{BB962C8B-B14F-4D97-AF65-F5344CB8AC3E}">
+        <p14:creationId xmlns:p14="http://schemas.microsoft.com/office/powerpoint/2010/main" val="1694305703"/>
+      </p:ext>
+    </p:extLst>
+  </p:cSld>
+  <p:clrMapOvr>
+    <a:masterClrMapping/>
+  </p:clrMapOvr>
+</p:sld>
+</file>
+
+<file path=ppt/slides/slide12.xml><?xml version="1.0" encoding="utf-8"?>
+<p:sld xmlns:a="http://schemas.openxmlformats.org/drawingml/2006/main" xmlns:r="http://schemas.openxmlformats.org/officeDocument/2006/relationships" xmlns:p="http://schemas.openxmlformats.org/presentationml/2006/main">
+  <p:cSld>
+    <p:spTree>
+      <p:nvGrpSpPr>
+        <p:cNvPr id="1" name=""/>
+        <p:cNvGrpSpPr/>
+        <p:nvPr/>
+      </p:nvGrpSpPr>
+      <p:grpSpPr>
+        <a:xfrm>
+          <a:off x="0" y="0"/>
+          <a:ext cx="0" cy="0"/>
+          <a:chOff x="0" y="0"/>
+          <a:chExt cx="0" cy="0"/>
+        </a:xfrm>
+      </p:grpSpPr>
+      <p:sp>
+        <p:nvSpPr>
+          <p:cNvPr id="2" name="Title 1"/>
+          <p:cNvSpPr>
+            <a:spLocks noGrp="1"/>
+          </p:cNvSpPr>
+          <p:nvPr>
+            <p:ph type="title"/>
+          </p:nvPr>
+        </p:nvSpPr>
+        <p:spPr/>
+        <p:txBody>
+          <a:bodyPr/>
+          <a:lstStyle/>
+          <a:p>
+            <a:r>
+              <a:rPr lang="en-US" dirty="0" smtClean="0"/>
+              <a:t>NEo4j</a:t>
+            </a:r>
+            <a:endParaRPr lang="en-US" dirty="0"/>
+          </a:p>
+        </p:txBody>
+      </p:sp>
+      <p:sp>
+        <p:nvSpPr>
+          <p:cNvPr id="3" name="Content Placeholder 2"/>
+          <p:cNvSpPr>
+            <a:spLocks noGrp="1"/>
+          </p:cNvSpPr>
+          <p:nvPr>
+            <p:ph idx="1"/>
+          </p:nvPr>
+        </p:nvSpPr>
+        <p:spPr/>
+        <p:txBody>
+          <a:bodyPr>
+            <a:normAutofit lnSpcReduction="10000"/>
+          </a:bodyPr>
+          <a:lstStyle/>
+          <a:p>
+            <a:r>
+              <a:rPr lang="en-US" sz="2800" dirty="0" smtClean="0"/>
+              <a:t>Native graph </a:t>
+            </a:r>
+            <a:r>
+              <a:rPr lang="en-US" sz="2800" dirty="0" smtClean="0"/>
+              <a:t>database </a:t>
+            </a:r>
+          </a:p>
+          <a:p>
+            <a:r>
+              <a:rPr lang="en-US" sz="2800" dirty="0" smtClean="0"/>
+              <a:t>All </a:t>
+            </a:r>
+            <a:r>
+              <a:rPr lang="en-US" sz="2800" dirty="0"/>
+              <a:t>relationships are </a:t>
+            </a:r>
+            <a:r>
+              <a:rPr lang="en-US" sz="2800" dirty="0" smtClean="0"/>
+              <a:t>directional</a:t>
+            </a:r>
+          </a:p>
+          <a:p>
+            <a:r>
+              <a:rPr lang="en-US" sz="2800" dirty="0" smtClean="0"/>
+              <a:t>Nodes can be grouped into sets with Labels (e.g. Person, Film, IP Address)</a:t>
+            </a:r>
+            <a:endParaRPr lang="en-US" sz="2800" dirty="0"/>
+          </a:p>
+          <a:p>
+            <a:r>
+              <a:rPr lang="en-US" sz="2800" dirty="0" smtClean="0"/>
+              <a:t>Uses Cypher </a:t>
+            </a:r>
+            <a:r>
+              <a:rPr lang="en-US" sz="2800" dirty="0" smtClean="0"/>
+              <a:t>language</a:t>
+            </a:r>
+          </a:p>
+          <a:p>
+            <a:r>
+              <a:rPr lang="en-US" sz="2800" dirty="0"/>
+              <a:t>Uses JSON </a:t>
+            </a:r>
+            <a:r>
+              <a:rPr lang="en-US" sz="2800" dirty="0" smtClean="0"/>
+              <a:t>format similar </a:t>
+            </a:r>
+            <a:r>
+              <a:rPr lang="en-US" sz="2800" dirty="0"/>
+              <a:t>to </a:t>
+            </a:r>
+            <a:r>
+              <a:rPr lang="en-US" sz="2800" dirty="0" smtClean="0"/>
+              <a:t>NoSQL</a:t>
+            </a:r>
+            <a:endParaRPr lang="en-US" sz="2800" dirty="0" smtClean="0"/>
+          </a:p>
+          <a:p>
+            <a:r>
+              <a:rPr lang="en-US" sz="2800" dirty="0" smtClean="0"/>
+              <a:t>Python library: neo4j-driver, py2neo</a:t>
+            </a:r>
+          </a:p>
+          <a:p>
+            <a:endParaRPr lang="en-US" sz="2800" dirty="0"/>
+          </a:p>
+        </p:txBody>
+      </p:sp>
+    </p:spTree>
+    <p:extLst>
+      <p:ext uri="{BB962C8B-B14F-4D97-AF65-F5344CB8AC3E}">
+        <p14:creationId xmlns:p14="http://schemas.microsoft.com/office/powerpoint/2010/main" val="614794381"/>
+      </p:ext>
+    </p:extLst>
+  </p:cSld>
+  <p:clrMapOvr>
+    <a:masterClrMapping/>
+  </p:clrMapOvr>
+  <p:timing>
+    <p:tnLst>
+      <p:par>
+        <p:cTn id="1" dur="indefinite" restart="never" nodeType="tmRoot"/>
+      </p:par>
+    </p:tnLst>
+  </p:timing>
+</p:sld>
+</file>
+
+<file path=ppt/slides/slide13.xml><?xml version="1.0" encoding="utf-8"?>
+<p:sld xmlns:a="http://schemas.openxmlformats.org/drawingml/2006/main" xmlns:r="http://schemas.openxmlformats.org/officeDocument/2006/relationships" xmlns:p="http://schemas.openxmlformats.org/presentationml/2006/main">
+  <p:cSld>
+    <p:spTree>
+      <p:nvGrpSpPr>
+        <p:cNvPr id="1" name=""/>
+        <p:cNvGrpSpPr/>
+        <p:nvPr/>
+      </p:nvGrpSpPr>
+      <p:grpSpPr>
+        <a:xfrm>
+          <a:off x="0" y="0"/>
+          <a:ext cx="0" cy="0"/>
+          <a:chOff x="0" y="0"/>
+          <a:chExt cx="0" cy="0"/>
+        </a:xfrm>
+      </p:grpSpPr>
+      <p:sp>
+        <p:nvSpPr>
+          <p:cNvPr id="2" name="Title 1"/>
+          <p:cNvSpPr>
+            <a:spLocks noGrp="1"/>
+          </p:cNvSpPr>
+          <p:nvPr>
+            <p:ph type="title"/>
+          </p:nvPr>
+        </p:nvSpPr>
+        <p:spPr/>
+        <p:txBody>
+          <a:bodyPr/>
+          <a:lstStyle/>
+          <a:p>
+            <a:r>
+              <a:rPr lang="en-US" dirty="0" smtClean="0"/>
+              <a:t>Cypher</a:t>
+            </a:r>
+            <a:endParaRPr lang="en-US" dirty="0"/>
+          </a:p>
+        </p:txBody>
+      </p:sp>
+      <p:sp>
+        <p:nvSpPr>
+          <p:cNvPr id="3" name="Content Placeholder 2"/>
+          <p:cNvSpPr>
+            <a:spLocks noGrp="1"/>
+          </p:cNvSpPr>
+          <p:nvPr>
+            <p:ph idx="1"/>
+          </p:nvPr>
+        </p:nvSpPr>
+        <p:spPr>
+          <a:xfrm>
+            <a:off x="685801" y="2531808"/>
+            <a:ext cx="10131425" cy="3649133"/>
+          </a:xfrm>
+        </p:spPr>
+        <p:txBody>
+          <a:bodyPr>
+            <a:noAutofit/>
+          </a:bodyPr>
+          <a:lstStyle/>
+          <a:p>
+            <a:r>
+              <a:rPr lang="en-US" sz="2800" dirty="0" smtClean="0"/>
+              <a:t>Declarative language based on SQL and SPARQL with pattern matching</a:t>
+            </a:r>
+          </a:p>
+          <a:p>
+            <a:r>
+              <a:rPr lang="en-US" sz="2800" dirty="0" smtClean="0"/>
+              <a:t>ASCII representation of relationships</a:t>
+            </a:r>
+          </a:p>
+          <a:p>
+            <a:pPr lvl="1"/>
+            <a:r>
+              <a:rPr lang="en-US" sz="2800" dirty="0" smtClean="0"/>
+              <a:t>(node)-[:Relationship]-&gt;(node)</a:t>
+            </a:r>
+          </a:p>
+          <a:p>
+            <a:pPr lvl="1"/>
+            <a:endParaRPr lang="en-US" sz="2800" dirty="0" smtClean="0"/>
+          </a:p>
+        </p:txBody>
+      </p:sp>
+    </p:spTree>
+    <p:extLst>
+      <p:ext uri="{BB962C8B-B14F-4D97-AF65-F5344CB8AC3E}">
+        <p14:creationId xmlns:p14="http://schemas.microsoft.com/office/powerpoint/2010/main" val="85012498"/>
+      </p:ext>
+    </p:extLst>
+  </p:cSld>
+  <p:clrMapOvr>
+    <a:masterClrMapping/>
+  </p:clrMapOvr>
+  <p:timing>
+    <p:tnLst>
+      <p:par>
+        <p:cTn id="1" dur="indefinite" restart="never" nodeType="tmRoot"/>
+      </p:par>
+    </p:tnLst>
+  </p:timing>
+</p:sld>
+</file>
+
+<file path=ppt/slides/slide14.xml><?xml version="1.0" encoding="utf-8"?>
+<p:sld xmlns:a="http://schemas.openxmlformats.org/drawingml/2006/main" xmlns:r="http://schemas.openxmlformats.org/officeDocument/2006/relationships" xmlns:p="http://schemas.openxmlformats.org/presentationml/2006/main">
+  <p:cSld>
+    <p:spTree>
+      <p:nvGrpSpPr>
+        <p:cNvPr id="1" name=""/>
+        <p:cNvGrpSpPr/>
+        <p:nvPr/>
+      </p:nvGrpSpPr>
+      <p:grpSpPr>
+        <a:xfrm>
+          <a:off x="0" y="0"/>
+          <a:ext cx="0" cy="0"/>
+          <a:chOff x="0" y="0"/>
+          <a:chExt cx="0" cy="0"/>
+        </a:xfrm>
+      </p:grpSpPr>
+      <p:sp>
+        <p:nvSpPr>
+          <p:cNvPr id="2" name="Title 1"/>
+          <p:cNvSpPr>
+            <a:spLocks noGrp="1"/>
+          </p:cNvSpPr>
+          <p:nvPr>
+            <p:ph type="title"/>
+          </p:nvPr>
+        </p:nvSpPr>
+        <p:spPr/>
+        <p:txBody>
+          <a:bodyPr/>
+          <a:lstStyle/>
+          <a:p>
+            <a:r>
+              <a:rPr lang="en-US" dirty="0" smtClean="0"/>
+              <a:t>Cypher Examples</a:t>
+            </a:r>
+            <a:endParaRPr lang="en-US" dirty="0"/>
+          </a:p>
+        </p:txBody>
+      </p:sp>
+      <p:sp>
+        <p:nvSpPr>
+          <p:cNvPr id="3" name="Content Placeholder 2"/>
+          <p:cNvSpPr>
+            <a:spLocks noGrp="1"/>
+          </p:cNvSpPr>
+          <p:nvPr>
+            <p:ph idx="1"/>
+          </p:nvPr>
+        </p:nvSpPr>
+        <p:spPr/>
+        <p:txBody>
+          <a:bodyPr>
+            <a:normAutofit fontScale="92500" lnSpcReduction="10000"/>
+          </a:bodyPr>
+          <a:lstStyle/>
+          <a:p>
+            <a:pPr marL="457200" lvl="1" indent="0">
+              <a:buNone/>
+            </a:pPr>
+            <a:r>
+              <a:rPr lang="en-US" sz="2800" dirty="0" smtClean="0">
+                <a:latin typeface="Courier" charset="0"/>
+                <a:ea typeface="Courier" charset="0"/>
+                <a:cs typeface="Courier" charset="0"/>
+              </a:rPr>
+              <a:t>CREATE (</a:t>
+            </a:r>
+            <a:r>
+              <a:rPr lang="en-US" sz="2800" dirty="0" err="1" smtClean="0">
+                <a:latin typeface="Courier" charset="0"/>
+                <a:ea typeface="Courier" charset="0"/>
+                <a:cs typeface="Courier" charset="0"/>
+              </a:rPr>
+              <a:t>bob:Person</a:t>
+            </a:r>
+            <a:r>
+              <a:rPr lang="en-US" sz="2800" dirty="0" smtClean="0">
+                <a:latin typeface="Courier" charset="0"/>
+                <a:ea typeface="Courier" charset="0"/>
+                <a:cs typeface="Courier" charset="0"/>
+              </a:rPr>
+              <a:t> {</a:t>
+            </a:r>
+            <a:r>
+              <a:rPr lang="en-US" sz="2800" dirty="0" err="1" smtClean="0">
+                <a:latin typeface="Courier" charset="0"/>
+                <a:ea typeface="Courier" charset="0"/>
+                <a:cs typeface="Courier" charset="0"/>
+              </a:rPr>
+              <a:t>name:”Bob</a:t>
+            </a:r>
+            <a:r>
+              <a:rPr lang="en-US" sz="2800" dirty="0" smtClean="0">
+                <a:latin typeface="Courier" charset="0"/>
+                <a:ea typeface="Courier" charset="0"/>
+                <a:cs typeface="Courier" charset="0"/>
+              </a:rPr>
+              <a:t>”, age: 30)</a:t>
+            </a:r>
+          </a:p>
+          <a:p>
+            <a:pPr marL="457200" lvl="1" indent="0">
+              <a:buNone/>
+            </a:pPr>
+            <a:endParaRPr lang="en-US" sz="2800" dirty="0">
+              <a:latin typeface="Courier" charset="0"/>
+              <a:ea typeface="Courier" charset="0"/>
+              <a:cs typeface="Courier" charset="0"/>
+            </a:endParaRPr>
+          </a:p>
+          <a:p>
+            <a:pPr marL="457200" lvl="1" indent="0">
+              <a:buNone/>
+            </a:pPr>
+            <a:r>
+              <a:rPr lang="en-US" sz="2800" dirty="0" smtClean="0">
+                <a:latin typeface="Courier" charset="0"/>
+                <a:ea typeface="Courier" charset="0"/>
+                <a:cs typeface="Courier" charset="0"/>
+              </a:rPr>
+              <a:t>CREATE (bob)-[:KNOWS]-&gt;(jane)</a:t>
+            </a:r>
+          </a:p>
+          <a:p>
+            <a:pPr marL="457200" lvl="1" indent="0">
+              <a:buNone/>
+            </a:pPr>
+            <a:endParaRPr lang="en-US" sz="2800" dirty="0">
+              <a:latin typeface="Courier" charset="0"/>
+              <a:ea typeface="Courier" charset="0"/>
+              <a:cs typeface="Courier" charset="0"/>
+            </a:endParaRPr>
+          </a:p>
+          <a:p>
+            <a:pPr marL="457200" lvl="1" indent="0">
+              <a:buNone/>
+            </a:pPr>
+            <a:r>
+              <a:rPr lang="en-US" sz="2800" dirty="0" smtClean="0">
+                <a:latin typeface="Courier" charset="0"/>
+                <a:ea typeface="Courier" charset="0"/>
+                <a:cs typeface="Courier" charset="0"/>
+              </a:rPr>
+              <a:t>MATCH </a:t>
+            </a:r>
+            <a:r>
+              <a:rPr lang="en-US" sz="2800" dirty="0">
+                <a:latin typeface="Courier" charset="0"/>
+                <a:ea typeface="Courier" charset="0"/>
+                <a:cs typeface="Courier" charset="0"/>
+              </a:rPr>
+              <a:t>(</a:t>
+            </a:r>
+            <a:r>
+              <a:rPr lang="en-US" sz="2800" dirty="0" err="1">
+                <a:latin typeface="Courier" charset="0"/>
+                <a:ea typeface="Courier" charset="0"/>
+                <a:cs typeface="Courier" charset="0"/>
+              </a:rPr>
+              <a:t>ee:Person</a:t>
+            </a:r>
+            <a:r>
+              <a:rPr lang="en-US" sz="2800" dirty="0">
+                <a:latin typeface="Courier" charset="0"/>
+                <a:ea typeface="Courier" charset="0"/>
+                <a:cs typeface="Courier" charset="0"/>
+              </a:rPr>
+              <a:t>)-[:KNOWS]-(friends)</a:t>
+            </a:r>
+          </a:p>
+          <a:p>
+            <a:pPr marL="457200" lvl="1" indent="0">
+              <a:buNone/>
+            </a:pPr>
+            <a:r>
+              <a:rPr lang="en-US" sz="2800" dirty="0">
+                <a:latin typeface="Courier" charset="0"/>
+                <a:ea typeface="Courier" charset="0"/>
+                <a:cs typeface="Courier" charset="0"/>
+              </a:rPr>
+              <a:t>WHERE </a:t>
+            </a:r>
+            <a:r>
+              <a:rPr lang="en-US" sz="2800" dirty="0" err="1">
+                <a:latin typeface="Courier" charset="0"/>
+                <a:ea typeface="Courier" charset="0"/>
+                <a:cs typeface="Courier" charset="0"/>
+              </a:rPr>
+              <a:t>ee.name</a:t>
+            </a:r>
+            <a:r>
+              <a:rPr lang="en-US" sz="2800" dirty="0">
+                <a:latin typeface="Courier" charset="0"/>
+                <a:ea typeface="Courier" charset="0"/>
+                <a:cs typeface="Courier" charset="0"/>
+              </a:rPr>
+              <a:t> = “Bob” </a:t>
+            </a:r>
+          </a:p>
+          <a:p>
+            <a:pPr marL="457200" lvl="1" indent="0">
+              <a:buNone/>
+            </a:pPr>
+            <a:r>
+              <a:rPr lang="en-US" sz="2800" dirty="0">
+                <a:latin typeface="Courier" charset="0"/>
+                <a:ea typeface="Courier" charset="0"/>
+                <a:cs typeface="Courier" charset="0"/>
+              </a:rPr>
+              <a:t>RETURN </a:t>
+            </a:r>
+            <a:r>
+              <a:rPr lang="en-US" sz="2800" dirty="0" err="1">
+                <a:latin typeface="Courier" charset="0"/>
+                <a:ea typeface="Courier" charset="0"/>
+                <a:cs typeface="Courier" charset="0"/>
+              </a:rPr>
+              <a:t>ee</a:t>
+            </a:r>
+            <a:r>
+              <a:rPr lang="en-US" sz="2800" dirty="0">
+                <a:latin typeface="Courier" charset="0"/>
+                <a:ea typeface="Courier" charset="0"/>
+                <a:cs typeface="Courier" charset="0"/>
+              </a:rPr>
+              <a:t>, friends</a:t>
+            </a:r>
+          </a:p>
+          <a:p>
+            <a:endParaRPr lang="en-US" dirty="0"/>
           </a:p>
         </p:txBody>
       </p:sp>
@@ -8156,7 +8802,7 @@
           <a:p>
             <a:r>
               <a:rPr lang="en-US" dirty="0" smtClean="0"/>
-              <a:t>Mining social network graphs</a:t>
+              <a:t>Social-Network Graphs</a:t>
             </a:r>
             <a:endParaRPr lang="en-US" dirty="0"/>
           </a:p>
@@ -8174,30 +8820,43 @@
         </p:nvSpPr>
         <p:spPr/>
         <p:txBody>
-          <a:bodyPr/>
-          <a:lstStyle/>
-          <a:p>
-            <a:endParaRPr lang="en-US" dirty="0"/>
+          <a:bodyPr>
+            <a:normAutofit/>
+          </a:bodyPr>
+          <a:lstStyle/>
+          <a:p>
+            <a:r>
+              <a:rPr lang="en-US" sz="2800" dirty="0" smtClean="0"/>
+              <a:t>At least one relationship must be present</a:t>
+            </a:r>
+          </a:p>
+          <a:p>
+            <a:r>
+              <a:rPr lang="en-US" sz="2800" dirty="0" smtClean="0"/>
+              <a:t>Nodes can be of different types</a:t>
+            </a:r>
+          </a:p>
+          <a:p>
+            <a:r>
+              <a:rPr lang="en-US" sz="2800" dirty="0" smtClean="0"/>
+              <a:t>Nodes can have different types of properties</a:t>
+            </a:r>
+          </a:p>
+          <a:p>
+            <a:endParaRPr lang="en-US" sz="2800" dirty="0" smtClean="0"/>
           </a:p>
         </p:txBody>
       </p:sp>
     </p:spTree>
     <p:extLst>
       <p:ext uri="{BB962C8B-B14F-4D97-AF65-F5344CB8AC3E}">
-        <p14:creationId xmlns:p14="http://schemas.microsoft.com/office/powerpoint/2010/main" val="2110865343"/>
+        <p14:creationId xmlns:p14="http://schemas.microsoft.com/office/powerpoint/2010/main" val="474330144"/>
       </p:ext>
     </p:extLst>
   </p:cSld>
   <p:clrMapOvr>
     <a:masterClrMapping/>
   </p:clrMapOvr>
-  <p:timing>
-    <p:tnLst>
-      <p:par>
-        <p:cTn id="1" dur="indefinite" restart="never" nodeType="tmRoot"/>
-      </p:par>
-    </p:tnLst>
-  </p:timing>
 </p:sld>
 </file>
 
@@ -8235,7 +8894,7 @@
           <a:p>
             <a:r>
               <a:rPr lang="en-US" dirty="0" smtClean="0"/>
-              <a:t>Key Terms</a:t>
+              <a:t>Applications Of graphs</a:t>
             </a:r>
             <a:endParaRPr lang="en-US" dirty="0"/>
           </a:p>
@@ -8253,39 +8912,62 @@
         </p:nvSpPr>
         <p:spPr/>
         <p:txBody>
-          <a:bodyPr>
-            <a:noAutofit/>
+          <a:bodyPr numCol="2">
+            <a:normAutofit/>
           </a:bodyPr>
           <a:lstStyle/>
           <a:p>
             <a:r>
               <a:rPr lang="en-US" sz="2800" dirty="0" smtClean="0"/>
-              <a:t>Density: The connections between nodes, expressed as a percent for an individual node:</a:t>
-            </a:r>
-          </a:p>
-          <a:p>
-            <a:pPr lvl="1"/>
+              <a:t>Social networking sites</a:t>
+            </a:r>
+          </a:p>
+          <a:p>
             <a:r>
               <a:rPr lang="en-US" sz="2800" dirty="0" smtClean="0"/>
-              <a:t>Number of connections / Number of possible connections</a:t>
+              <a:t>Network impact analysis</a:t>
             </a:r>
           </a:p>
           <a:p>
             <a:r>
               <a:rPr lang="en-US" sz="2800" dirty="0" smtClean="0"/>
-              <a:t>Centrality: Identifies the most important nodes (e.g. most influential person)</a:t>
+              <a:t>Route finding</a:t>
             </a:r>
           </a:p>
           <a:p>
             <a:r>
               <a:rPr lang="en-US" sz="2800" dirty="0" smtClean="0"/>
-              <a:t>In-degree: How many times others interact with a given node</a:t>
+              <a:t>Recommendations</a:t>
             </a:r>
           </a:p>
           <a:p>
             <a:r>
               <a:rPr lang="en-US" sz="2800" dirty="0" smtClean="0"/>
-              <a:t>Out-degree: How many times a given node interacts with others</a:t>
+              <a:t>Logistics</a:t>
+            </a:r>
+          </a:p>
+          <a:p>
+            <a:r>
+              <a:rPr lang="en-US" sz="2800" dirty="0" smtClean="0"/>
+              <a:t>Access control</a:t>
+            </a:r>
+          </a:p>
+          <a:p>
+            <a:r>
+              <a:rPr lang="en-US" sz="2800" dirty="0" smtClean="0"/>
+              <a:t>Fraud analysis</a:t>
+            </a:r>
+          </a:p>
+          <a:p>
+            <a:r>
+              <a:rPr lang="en-US" sz="2800" dirty="0" smtClean="0"/>
+              <a:t>Securities &amp; debt</a:t>
+            </a:r>
+          </a:p>
+          <a:p>
+            <a:r>
+              <a:rPr lang="en-US" sz="2800" dirty="0" smtClean="0"/>
+              <a:t>National security &amp; defense</a:t>
             </a:r>
             <a:endParaRPr lang="en-US" sz="2800" dirty="0"/>
           </a:p>
@@ -8294,20 +8976,13 @@
     </p:spTree>
     <p:extLst>
       <p:ext uri="{BB962C8B-B14F-4D97-AF65-F5344CB8AC3E}">
-        <p14:creationId xmlns:p14="http://schemas.microsoft.com/office/powerpoint/2010/main" val="1660104688"/>
+        <p14:creationId xmlns:p14="http://schemas.microsoft.com/office/powerpoint/2010/main" val="1068766238"/>
       </p:ext>
     </p:extLst>
   </p:cSld>
   <p:clrMapOvr>
     <a:masterClrMapping/>
   </p:clrMapOvr>
-  <p:timing>
-    <p:tnLst>
-      <p:par>
-        <p:cTn id="1" dur="indefinite" restart="never" nodeType="tmRoot"/>
-      </p:par>
-    </p:tnLst>
-  </p:timing>
 </p:sld>
 </file>
 
@@ -8345,7 +9020,7 @@
           <a:p>
             <a:r>
               <a:rPr lang="en-US" dirty="0" smtClean="0"/>
-              <a:t>NEo4j</a:t>
+              <a:t>Mining social network graphs</a:t>
             </a:r>
             <a:endParaRPr lang="en-US" dirty="0"/>
           </a:p>
@@ -8368,54 +9043,57 @@
           </a:bodyPr>
           <a:lstStyle/>
           <a:p>
+            <a:pPr defTabSz="914400">
+              <a:spcAft>
+                <a:spcPts val="0"/>
+              </a:spcAft>
+              <a:buClrTx/>
+              <a:buSzTx/>
+            </a:pPr>
             <a:r>
               <a:rPr lang="en-US" sz="2800" dirty="0" smtClean="0"/>
-              <a:t>Native graph database</a:t>
-            </a:r>
-          </a:p>
-          <a:p>
+              <a:t>Partitioning to maximize within-group connections and minimize between-group connections</a:t>
+            </a:r>
+          </a:p>
+          <a:p>
+            <a:pPr defTabSz="914400">
+              <a:spcAft>
+                <a:spcPts val="0"/>
+              </a:spcAft>
+              <a:buClrTx/>
+              <a:buSzTx/>
+            </a:pPr>
             <a:r>
               <a:rPr lang="en-US" sz="2800" dirty="0" smtClean="0"/>
-              <a:t>All </a:t>
-            </a:r>
+              <a:t>The distance measure between for social networks can be found by applying clustering techniques (Like K-means)</a:t>
+            </a:r>
+          </a:p>
+          <a:p>
+            <a:pPr defTabSz="914400">
+              <a:spcAft>
+                <a:spcPts val="0"/>
+              </a:spcAft>
+              <a:buClrTx/>
+              <a:buSzTx/>
+            </a:pPr>
             <a:r>
               <a:rPr lang="en-US" sz="2800" dirty="0"/>
-              <a:t>relationships are </a:t>
-            </a:r>
-            <a:r>
-              <a:rPr lang="en-US" sz="2800" dirty="0" smtClean="0"/>
-              <a:t>directional</a:t>
-            </a:r>
-          </a:p>
-          <a:p>
-            <a:r>
-              <a:rPr lang="en-US" sz="2800" dirty="0" smtClean="0"/>
-              <a:t>Nodes can be grouped into sets with Labels (e.g. Person, Film, IP Address)</a:t>
-            </a:r>
-            <a:endParaRPr lang="en-US" sz="2800" dirty="0"/>
-          </a:p>
-          <a:p>
-            <a:r>
-              <a:rPr lang="en-US" sz="2800" dirty="0" smtClean="0"/>
-              <a:t>Uses Cypher language</a:t>
-            </a:r>
-          </a:p>
-          <a:p>
-            <a:r>
-              <a:rPr lang="en-US" sz="2800" dirty="0" smtClean="0"/>
-              <a:t>Python library: </a:t>
-            </a:r>
-            <a:r>
-              <a:rPr lang="en-US" sz="2800" dirty="0" smtClean="0"/>
-              <a:t>neo4j-driver</a:t>
-            </a:r>
-            <a:r>
-              <a:rPr lang="en-US" sz="2800" smtClean="0"/>
-              <a:t>, py2neo</a:t>
+              <a:t>Clustering to find communities based on </a:t>
+            </a:r>
+            <a:r>
+              <a:rPr lang="en-US" sz="2800" dirty="0" err="1" smtClean="0"/>
+              <a:t>betweenness</a:t>
             </a:r>
             <a:endParaRPr lang="en-US" sz="2800" dirty="0" smtClean="0"/>
           </a:p>
           <a:p>
+            <a:pPr defTabSz="914400">
+              <a:spcAft>
+                <a:spcPts val="0"/>
+              </a:spcAft>
+              <a:buClrTx/>
+              <a:buSzTx/>
+            </a:pPr>
             <a:endParaRPr lang="en-US" sz="2800" dirty="0"/>
           </a:p>
         </p:txBody>
@@ -8423,7 +9101,7 @@
     </p:spTree>
     <p:extLst>
       <p:ext uri="{BB962C8B-B14F-4D97-AF65-F5344CB8AC3E}">
-        <p14:creationId xmlns:p14="http://schemas.microsoft.com/office/powerpoint/2010/main" val="614794381"/>
+        <p14:creationId xmlns:p14="http://schemas.microsoft.com/office/powerpoint/2010/main" val="2110865343"/>
       </p:ext>
     </p:extLst>
   </p:cSld>
@@ -8474,7 +9152,7 @@
           <a:p>
             <a:r>
               <a:rPr lang="en-US" dirty="0" smtClean="0"/>
-              <a:t>Cypher</a:t>
+              <a:t>Key Terms</a:t>
             </a:r>
             <a:endParaRPr lang="en-US" dirty="0"/>
           </a:p>
@@ -8492,7 +9170,7 @@
         </p:nvSpPr>
         <p:spPr>
           <a:xfrm>
-            <a:off x="685801" y="2531808"/>
+            <a:off x="685801" y="2172048"/>
             <a:ext cx="10131425" cy="3649133"/>
           </a:xfrm>
         </p:spPr>
@@ -8504,125 +9182,55 @@
           <a:p>
             <a:r>
               <a:rPr lang="en-US" sz="2800" dirty="0" smtClean="0"/>
-              <a:t>Declarative language based on SQL and SPARQL with pattern matching</a:t>
-            </a:r>
-          </a:p>
-          <a:p>
+              <a:t>Density: The connections between nodes, expressed as a percent for an individual node:</a:t>
+            </a:r>
+          </a:p>
+          <a:p>
+            <a:pPr lvl="1"/>
             <a:r>
               <a:rPr lang="en-US" sz="2800" dirty="0" smtClean="0"/>
-              <a:t>ASCII representation of relationships</a:t>
-            </a:r>
-          </a:p>
-          <a:p>
-            <a:pPr lvl="1"/>
+              <a:t>Number of connections / Number of possible connections</a:t>
+            </a:r>
+          </a:p>
+          <a:p>
             <a:r>
               <a:rPr lang="en-US" sz="2800" dirty="0" smtClean="0"/>
-              <a:t>(node)-[:Relationship]-&gt;(node)</a:t>
+              <a:t>Centrality: Identifies the most important nodes (e.g. most influential person)</a:t>
             </a:r>
           </a:p>
           <a:p>
             <a:r>
               <a:rPr lang="en-US" sz="2800" dirty="0" smtClean="0"/>
-              <a:t>Example:</a:t>
-            </a:r>
-          </a:p>
-          <a:p>
-            <a:pPr marL="457200" lvl="1" indent="0">
-              <a:buNone/>
-            </a:pPr>
-            <a:r>
-              <a:rPr lang="en-US" sz="2800" dirty="0" smtClean="0">
-                <a:latin typeface="Courier" charset="0"/>
-                <a:ea typeface="Courier" charset="0"/>
-                <a:cs typeface="Courier" charset="0"/>
-              </a:rPr>
-              <a:t>MATCH (</a:t>
-            </a:r>
-            <a:r>
-              <a:rPr lang="en-US" sz="2800" dirty="0" err="1" smtClean="0">
-                <a:latin typeface="Courier" charset="0"/>
-                <a:ea typeface="Courier" charset="0"/>
-                <a:cs typeface="Courier" charset="0"/>
-              </a:rPr>
-              <a:t>ee:Person</a:t>
-            </a:r>
-            <a:r>
-              <a:rPr lang="en-US" sz="2800" dirty="0" smtClean="0">
-                <a:latin typeface="Courier" charset="0"/>
-                <a:ea typeface="Courier" charset="0"/>
-                <a:cs typeface="Courier" charset="0"/>
-              </a:rPr>
-              <a:t>)-[:KNOWS]-(friends)</a:t>
-            </a:r>
-          </a:p>
-          <a:p>
-            <a:pPr marL="457200" lvl="1" indent="0">
-              <a:buNone/>
-            </a:pPr>
-            <a:r>
-              <a:rPr lang="en-US" sz="2800" dirty="0" smtClean="0">
-                <a:latin typeface="Courier" charset="0"/>
-                <a:ea typeface="Courier" charset="0"/>
-                <a:cs typeface="Courier" charset="0"/>
-              </a:rPr>
-              <a:t>WHERE </a:t>
-            </a:r>
-            <a:r>
-              <a:rPr lang="en-US" sz="2800" dirty="0" err="1" smtClean="0">
-                <a:latin typeface="Courier" charset="0"/>
-                <a:ea typeface="Courier" charset="0"/>
-                <a:cs typeface="Courier" charset="0"/>
-              </a:rPr>
-              <a:t>ee.name</a:t>
-            </a:r>
-            <a:r>
-              <a:rPr lang="en-US" sz="2800" dirty="0" smtClean="0">
-                <a:latin typeface="Courier" charset="0"/>
-                <a:ea typeface="Courier" charset="0"/>
-                <a:cs typeface="Courier" charset="0"/>
-              </a:rPr>
-              <a:t> = “Bob” </a:t>
-            </a:r>
-          </a:p>
-          <a:p>
-            <a:pPr marL="457200" lvl="1" indent="0">
-              <a:buNone/>
-            </a:pPr>
-            <a:r>
-              <a:rPr lang="en-US" sz="2800" dirty="0" smtClean="0">
-                <a:latin typeface="Courier" charset="0"/>
-                <a:ea typeface="Courier" charset="0"/>
-                <a:cs typeface="Courier" charset="0"/>
-              </a:rPr>
-              <a:t>RETURN </a:t>
-            </a:r>
-            <a:r>
-              <a:rPr lang="en-US" sz="2800" dirty="0" err="1" smtClean="0">
-                <a:latin typeface="Courier" charset="0"/>
-                <a:ea typeface="Courier" charset="0"/>
-                <a:cs typeface="Courier" charset="0"/>
-              </a:rPr>
-              <a:t>ee</a:t>
-            </a:r>
-            <a:r>
-              <a:rPr lang="en-US" sz="2800" dirty="0" smtClean="0">
-                <a:latin typeface="Courier" charset="0"/>
-                <a:ea typeface="Courier" charset="0"/>
-                <a:cs typeface="Courier" charset="0"/>
-              </a:rPr>
-              <a:t>, friends</a:t>
-            </a:r>
-          </a:p>
-          <a:p>
-            <a:pPr lvl="1"/>
-            <a:endParaRPr lang="en-US" sz="2800" dirty="0" smtClean="0"/>
+              <a:t>In-degree: How many times others interact with a given node</a:t>
+            </a:r>
+          </a:p>
+          <a:p>
+            <a:r>
+              <a:rPr lang="en-US" sz="2800" dirty="0" smtClean="0"/>
+              <a:t>Out-degree: How many times a given node interacts with </a:t>
+            </a:r>
+            <a:r>
+              <a:rPr lang="en-US" sz="2800" dirty="0" smtClean="0"/>
+              <a:t>others</a:t>
+            </a:r>
+          </a:p>
+          <a:p>
+            <a:r>
+              <a:rPr lang="en-US" sz="2800" dirty="0" err="1" smtClean="0"/>
+              <a:t>Betweenness</a:t>
+            </a:r>
+            <a:r>
+              <a:rPr lang="en-US" sz="2800" dirty="0" smtClean="0"/>
+              <a:t>: the number of pairs of nodes such that the edge lies on the shortest path between them</a:t>
+            </a:r>
+            <a:endParaRPr lang="en-US" sz="2800" dirty="0"/>
           </a:p>
         </p:txBody>
       </p:sp>
     </p:spTree>
     <p:extLst>
       <p:ext uri="{BB962C8B-B14F-4D97-AF65-F5344CB8AC3E}">
-        <p14:creationId xmlns:p14="http://schemas.microsoft.com/office/powerpoint/2010/main" val="85012498"/>
+        <p14:creationId xmlns:p14="http://schemas.microsoft.com/office/powerpoint/2010/main" val="1660104688"/>
       </p:ext>
     </p:extLst>
   </p:cSld>
